--- a/Week1/Week1_Stress_Drop_Definition.pptx
+++ b/Week1/Week1_Stress_Drop_Definition.pptx
@@ -119,6 +119,11 @@
       </a:defRPr>
     </a:lvl9pPr>
   </p:defaultTextStyle>
+  <p:extLst>
+    <p:ext uri="{EFAFB233-063F-42B5-8137-9DF3F51BA10A}">
+      <p15:sldGuideLst xmlns:p15="http://schemas.microsoft.com/office/powerpoint/2012/main"/>
+    </p:ext>
+  </p:extLst>
 </p:presentation>
 </file>
 
@@ -204,7 +209,7 @@
           <a:p>
             <a:fld id="{2769ED91-6789-4278-B6C8-1B11588EF1F0}" type="datetimeFigureOut">
               <a:rPr lang="ko-KR" altLang="en-US" smtClean="0"/>
-              <a:t>2024-07-15</a:t>
+              <a:t>2024-07-16</a:t>
             </a:fld>
             <a:endParaRPr lang="ko-KR" altLang="en-US"/>
           </a:p>
@@ -618,7 +623,7 @@
           <a:p>
             <a:fld id="{C4259730-F730-4F2F-8854-BCFBBCE7AB9E}" type="datetime1">
               <a:rPr lang="ko-KR" altLang="en-US" smtClean="0"/>
-              <a:t>2024-07-15</a:t>
+              <a:t>2024-07-16</a:t>
             </a:fld>
             <a:endParaRPr lang="ko-KR" altLang="en-US"/>
           </a:p>
@@ -816,7 +821,7 @@
           <a:p>
             <a:fld id="{40884CAC-7686-48C0-AFE5-969C740176C3}" type="datetime1">
               <a:rPr lang="ko-KR" altLang="en-US" smtClean="0"/>
-              <a:t>2024-07-15</a:t>
+              <a:t>2024-07-16</a:t>
             </a:fld>
             <a:endParaRPr lang="ko-KR" altLang="en-US"/>
           </a:p>
@@ -1024,7 +1029,7 @@
           <a:p>
             <a:fld id="{5ACF4083-793A-4B8B-87C2-8C66A853E117}" type="datetime1">
               <a:rPr lang="ko-KR" altLang="en-US" smtClean="0"/>
-              <a:t>2024-07-15</a:t>
+              <a:t>2024-07-16</a:t>
             </a:fld>
             <a:endParaRPr lang="ko-KR" altLang="en-US"/>
           </a:p>
@@ -1222,7 +1227,7 @@
           <a:p>
             <a:fld id="{A4473837-E4BC-4E6D-8EA0-9F3BEC0CA2AC}" type="datetime1">
               <a:rPr lang="ko-KR" altLang="en-US" smtClean="0"/>
-              <a:t>2024-07-15</a:t>
+              <a:t>2024-07-16</a:t>
             </a:fld>
             <a:endParaRPr lang="ko-KR" altLang="en-US"/>
           </a:p>
@@ -1497,7 +1502,7 @@
           <a:p>
             <a:fld id="{BB9F3340-A554-4417-BBB9-BD7394B7A182}" type="datetime1">
               <a:rPr lang="ko-KR" altLang="en-US" smtClean="0"/>
-              <a:t>2024-07-15</a:t>
+              <a:t>2024-07-16</a:t>
             </a:fld>
             <a:endParaRPr lang="ko-KR" altLang="en-US"/>
           </a:p>
@@ -1762,7 +1767,7 @@
           <a:p>
             <a:fld id="{28D4D379-2FF0-4E6C-8E89-B7C0E7238BEC}" type="datetime1">
               <a:rPr lang="ko-KR" altLang="en-US" smtClean="0"/>
-              <a:t>2024-07-15</a:t>
+              <a:t>2024-07-16</a:t>
             </a:fld>
             <a:endParaRPr lang="ko-KR" altLang="en-US"/>
           </a:p>
@@ -2174,7 +2179,7 @@
           <a:p>
             <a:fld id="{90A50977-160E-47B3-ACE5-D8D202AABFC2}" type="datetime1">
               <a:rPr lang="ko-KR" altLang="en-US" smtClean="0"/>
-              <a:t>2024-07-15</a:t>
+              <a:t>2024-07-16</a:t>
             </a:fld>
             <a:endParaRPr lang="ko-KR" altLang="en-US"/>
           </a:p>
@@ -2315,7 +2320,7 @@
           <a:p>
             <a:fld id="{C1052697-0434-444C-8B46-D20EB9C425B9}" type="datetime1">
               <a:rPr lang="ko-KR" altLang="en-US" smtClean="0"/>
-              <a:t>2024-07-15</a:t>
+              <a:t>2024-07-16</a:t>
             </a:fld>
             <a:endParaRPr lang="ko-KR" altLang="en-US"/>
           </a:p>
@@ -2428,7 +2433,7 @@
           <a:p>
             <a:fld id="{F0F06F80-F2D2-4D09-B84F-D758DA8B47F0}" type="datetime1">
               <a:rPr lang="ko-KR" altLang="en-US" smtClean="0"/>
-              <a:t>2024-07-15</a:t>
+              <a:t>2024-07-16</a:t>
             </a:fld>
             <a:endParaRPr lang="ko-KR" altLang="en-US"/>
           </a:p>
@@ -2755,7 +2760,7 @@
           <a:p>
             <a:fld id="{575AD92A-AB18-4E9A-8F0C-73125F739C3C}" type="datetime1">
               <a:rPr lang="ko-KR" altLang="en-US" smtClean="0"/>
-              <a:t>2024-07-15</a:t>
+              <a:t>2024-07-16</a:t>
             </a:fld>
             <a:endParaRPr lang="ko-KR" altLang="en-US"/>
           </a:p>
@@ -3043,7 +3048,7 @@
           <a:p>
             <a:fld id="{B7197700-20EA-460B-9B96-74136A9ADB12}" type="datetime1">
               <a:rPr lang="ko-KR" altLang="en-US" smtClean="0"/>
-              <a:t>2024-07-15</a:t>
+              <a:t>2024-07-16</a:t>
             </a:fld>
             <a:endParaRPr lang="ko-KR" altLang="en-US"/>
           </a:p>
@@ -3284,7 +3289,7 @@
           <a:p>
             <a:fld id="{62E46ED0-D99A-40C6-A282-2419544B4863}" type="datetime1">
               <a:rPr lang="ko-KR" altLang="en-US" smtClean="0"/>
-              <a:t>2024-07-15</a:t>
+              <a:t>2024-07-16</a:t>
             </a:fld>
             <a:endParaRPr lang="ko-KR" altLang="en-US"/>
           </a:p>
@@ -3848,14 +3853,14 @@
           <a:p>
             <a:pPr algn="ctr"/>
             <a:r>
-              <a:rPr lang="en-US" altLang="ko-KR" sz="3600" dirty="0">
+              <a:rPr lang="en-US" altLang="ko-KR" sz="3600">
                 <a:latin typeface="Helvetica" panose="020B0604020202020204" pitchFamily="34" charset="0"/>
                 <a:cs typeface="Helvetica" panose="020B0604020202020204" pitchFamily="34" charset="0"/>
               </a:rPr>
-              <a:t>July 15</a:t>
+              <a:t>July 16</a:t>
             </a:r>
             <a:r>
-              <a:rPr lang="en-US" altLang="ko-KR" sz="3600" baseline="30000" dirty="0">
+              <a:rPr lang="en-US" altLang="ko-KR" sz="3600" baseline="30000">
                 <a:latin typeface="Helvetica" panose="020B0604020202020204" pitchFamily="34" charset="0"/>
                 <a:cs typeface="Helvetica" panose="020B0604020202020204" pitchFamily="34" charset="0"/>
               </a:rPr>
@@ -4007,8 +4012,8 @@
           </a:prstGeom>
         </p:spPr>
       </p:pic>
-      <mc:AlternateContent xmlns:mc="http://schemas.openxmlformats.org/markup-compatibility/2006">
-        <mc:Choice xmlns:a14="http://schemas.microsoft.com/office/drawing/2010/main" Requires="a14">
+      <mc:AlternateContent xmlns:mc="http://schemas.openxmlformats.org/markup-compatibility/2006" xmlns:a14="http://schemas.microsoft.com/office/drawing/2010/main">
+        <mc:Choice Requires="a14">
           <p:sp>
             <p:nvSpPr>
               <p:cNvPr id="5" name="TextBox 4">
@@ -4119,7 +4124,7 @@
             </p:txBody>
           </p:sp>
         </mc:Choice>
-        <mc:Fallback>
+        <mc:Fallback xmlns="">
           <p:sp>
             <p:nvSpPr>
               <p:cNvPr id="5" name="TextBox 4">
@@ -4164,8 +4169,8 @@
           </p:sp>
         </mc:Fallback>
       </mc:AlternateContent>
-      <mc:AlternateContent xmlns:mc="http://schemas.openxmlformats.org/markup-compatibility/2006">
-        <mc:Choice xmlns:a14="http://schemas.microsoft.com/office/drawing/2010/main" Requires="a14">
+      <mc:AlternateContent xmlns:mc="http://schemas.openxmlformats.org/markup-compatibility/2006" xmlns:a14="http://schemas.microsoft.com/office/drawing/2010/main">
+        <mc:Choice Requires="a14">
           <p:sp>
             <p:nvSpPr>
               <p:cNvPr id="6" name="TextBox 5">
@@ -4276,7 +4281,7 @@
             </p:txBody>
           </p:sp>
         </mc:Choice>
-        <mc:Fallback>
+        <mc:Fallback xmlns="">
           <p:sp>
             <p:nvSpPr>
               <p:cNvPr id="6" name="TextBox 5">
@@ -4380,8 +4385,8 @@
           <a:chExt cx="0" cy="0"/>
         </a:xfrm>
       </p:grpSpPr>
-      <mc:AlternateContent xmlns:mc="http://schemas.openxmlformats.org/markup-compatibility/2006">
-        <mc:Choice xmlns:a14="http://schemas.microsoft.com/office/drawing/2010/main" Requires="a14">
+      <mc:AlternateContent xmlns:mc="http://schemas.openxmlformats.org/markup-compatibility/2006" xmlns:a14="http://schemas.microsoft.com/office/drawing/2010/main">
+        <mc:Choice Requires="a14">
           <p:sp>
             <p:nvSpPr>
               <p:cNvPr id="2" name="TextBox 1">
@@ -4460,7 +4465,7 @@
             </p:txBody>
           </p:sp>
         </mc:Choice>
-        <mc:Fallback>
+        <mc:Fallback xmlns="">
           <p:sp>
             <p:nvSpPr>
               <p:cNvPr id="2" name="TextBox 1">
@@ -4525,8 +4530,8 @@
             <a:chExt cx="9555059" cy="2387825"/>
           </a:xfrm>
         </p:grpSpPr>
-        <mc:AlternateContent xmlns:mc="http://schemas.openxmlformats.org/markup-compatibility/2006">
-          <mc:Choice xmlns:a14="http://schemas.microsoft.com/office/drawing/2010/main" Requires="a14">
+        <mc:AlternateContent xmlns:mc="http://schemas.openxmlformats.org/markup-compatibility/2006" xmlns:a14="http://schemas.microsoft.com/office/drawing/2010/main">
+          <mc:Choice Requires="a14">
             <p:sp>
               <p:nvSpPr>
                 <p:cNvPr id="3" name="TextBox 2">
@@ -4761,7 +4766,7 @@
               </p:txBody>
             </p:sp>
           </mc:Choice>
-          <mc:Fallback>
+          <mc:Fallback xmlns="">
             <p:sp>
               <p:nvSpPr>
                 <p:cNvPr id="3" name="TextBox 2">
@@ -4852,8 +4857,8 @@
             </a:p>
           </p:txBody>
         </p:sp>
-        <mc:AlternateContent xmlns:mc="http://schemas.openxmlformats.org/markup-compatibility/2006">
-          <mc:Choice xmlns:a14="http://schemas.microsoft.com/office/drawing/2010/main" Requires="a14">
+        <mc:AlternateContent xmlns:mc="http://schemas.openxmlformats.org/markup-compatibility/2006" xmlns:a14="http://schemas.microsoft.com/office/drawing/2010/main">
+          <mc:Choice Requires="a14">
             <p:sp>
               <p:nvSpPr>
                 <p:cNvPr id="5" name="TextBox 4">
@@ -5015,7 +5020,7 @@
               </p:txBody>
             </p:sp>
           </mc:Choice>
-          <mc:Fallback>
+          <mc:Fallback xmlns="">
             <p:sp>
               <p:nvSpPr>
                 <p:cNvPr id="5" name="TextBox 4">
@@ -5060,8 +5065,8 @@
             </p:sp>
           </mc:Fallback>
         </mc:AlternateContent>
-        <mc:AlternateContent xmlns:mc="http://schemas.openxmlformats.org/markup-compatibility/2006">
-          <mc:Choice xmlns:a14="http://schemas.microsoft.com/office/drawing/2010/main" Requires="a14">
+        <mc:AlternateContent xmlns:mc="http://schemas.openxmlformats.org/markup-compatibility/2006" xmlns:a14="http://schemas.microsoft.com/office/drawing/2010/main">
+          <mc:Choice Requires="a14">
             <p:sp>
               <p:nvSpPr>
                 <p:cNvPr id="6" name="TextBox 5">
@@ -5200,7 +5205,7 @@
               </p:txBody>
             </p:sp>
           </mc:Choice>
-          <mc:Fallback>
+          <mc:Fallback xmlns="">
             <p:sp>
               <p:nvSpPr>
                 <p:cNvPr id="6" name="TextBox 5">
@@ -5325,8 +5330,8 @@
           </a:p>
         </p:txBody>
       </p:sp>
-      <mc:AlternateContent xmlns:mc="http://schemas.openxmlformats.org/markup-compatibility/2006">
-        <mc:Choice xmlns:a14="http://schemas.microsoft.com/office/drawing/2010/main" Requires="a14">
+      <mc:AlternateContent xmlns:mc="http://schemas.openxmlformats.org/markup-compatibility/2006" xmlns:a14="http://schemas.microsoft.com/office/drawing/2010/main">
+        <mc:Choice Requires="a14">
           <p:sp>
             <p:nvSpPr>
               <p:cNvPr id="10" name="TextBox 9">
@@ -5355,6 +5360,7 @@
               </a:bodyPr>
               <a:lstStyle/>
               <a:p>
+                <a:pPr/>
                 <a14:m>
                   <m:oMathPara xmlns:m="http://schemas.openxmlformats.org/officeDocument/2006/math">
                     <m:oMathParaPr>
@@ -5604,7 +5610,7 @@
             </p:txBody>
           </p:sp>
         </mc:Choice>
-        <mc:Fallback>
+        <mc:Fallback xmlns="">
           <p:sp>
             <p:nvSpPr>
               <p:cNvPr id="10" name="TextBox 9">
@@ -5649,8 +5655,8 @@
           </p:sp>
         </mc:Fallback>
       </mc:AlternateContent>
-      <mc:AlternateContent xmlns:mc="http://schemas.openxmlformats.org/markup-compatibility/2006">
-        <mc:Choice xmlns:a14="http://schemas.microsoft.com/office/drawing/2010/main" Requires="a14">
+      <mc:AlternateContent xmlns:mc="http://schemas.openxmlformats.org/markup-compatibility/2006" xmlns:a14="http://schemas.microsoft.com/office/drawing/2010/main">
+        <mc:Choice Requires="a14">
           <p:sp>
             <p:nvSpPr>
               <p:cNvPr id="11" name="TextBox 10">
@@ -5734,7 +5740,7 @@
             </p:txBody>
           </p:sp>
         </mc:Choice>
-        <mc:Fallback>
+        <mc:Fallback xmlns="">
           <p:sp>
             <p:nvSpPr>
               <p:cNvPr id="11" name="TextBox 10">
@@ -5779,8 +5785,8 @@
           </p:sp>
         </mc:Fallback>
       </mc:AlternateContent>
-      <mc:AlternateContent xmlns:mc="http://schemas.openxmlformats.org/markup-compatibility/2006">
-        <mc:Choice xmlns:a14="http://schemas.microsoft.com/office/drawing/2010/main" Requires="a14">
+      <mc:AlternateContent xmlns:mc="http://schemas.openxmlformats.org/markup-compatibility/2006" xmlns:a14="http://schemas.microsoft.com/office/drawing/2010/main">
+        <mc:Choice Requires="a14">
           <p:sp>
             <p:nvSpPr>
               <p:cNvPr id="12" name="TextBox 11">
@@ -5835,7 +5841,7 @@
             </p:txBody>
           </p:sp>
         </mc:Choice>
-        <mc:Fallback>
+        <mc:Fallback xmlns="">
           <p:sp>
             <p:nvSpPr>
               <p:cNvPr id="12" name="TextBox 11">
@@ -6577,8 +6583,8 @@
           </a:p>
         </p:txBody>
       </p:sp>
-      <mc:AlternateContent xmlns:mc="http://schemas.openxmlformats.org/markup-compatibility/2006">
-        <mc:Choice xmlns:a14="http://schemas.microsoft.com/office/drawing/2010/main" Requires="a14">
+      <mc:AlternateContent xmlns:mc="http://schemas.openxmlformats.org/markup-compatibility/2006" xmlns:a14="http://schemas.microsoft.com/office/drawing/2010/main">
+        <mc:Choice Requires="a14">
           <p:sp>
             <p:nvSpPr>
               <p:cNvPr id="5" name="TextBox 4">
@@ -6871,7 +6877,7 @@
             </p:txBody>
           </p:sp>
         </mc:Choice>
-        <mc:Fallback>
+        <mc:Fallback xmlns="">
           <p:sp>
             <p:nvSpPr>
               <p:cNvPr id="5" name="TextBox 4">
@@ -6916,8 +6922,8 @@
           </p:sp>
         </mc:Fallback>
       </mc:AlternateContent>
-      <mc:AlternateContent xmlns:mc="http://schemas.openxmlformats.org/markup-compatibility/2006">
-        <mc:Choice xmlns:a14="http://schemas.microsoft.com/office/drawing/2010/main" Requires="a14">
+      <mc:AlternateContent xmlns:mc="http://schemas.openxmlformats.org/markup-compatibility/2006" xmlns:a14="http://schemas.microsoft.com/office/drawing/2010/main">
+        <mc:Choice Requires="a14">
           <p:sp>
             <p:nvSpPr>
               <p:cNvPr id="6" name="TextBox 5">
@@ -7017,7 +7023,7 @@
             </p:txBody>
           </p:sp>
         </mc:Choice>
-        <mc:Fallback>
+        <mc:Fallback xmlns="">
           <p:sp>
             <p:nvSpPr>
               <p:cNvPr id="6" name="TextBox 5">
@@ -7062,8 +7068,8 @@
           </p:sp>
         </mc:Fallback>
       </mc:AlternateContent>
-      <mc:AlternateContent xmlns:mc="http://schemas.openxmlformats.org/markup-compatibility/2006">
-        <mc:Choice xmlns:a14="http://schemas.microsoft.com/office/drawing/2010/main" Requires="a14">
+      <mc:AlternateContent xmlns:mc="http://schemas.openxmlformats.org/markup-compatibility/2006" xmlns:a14="http://schemas.microsoft.com/office/drawing/2010/main">
+        <mc:Choice Requires="a14">
           <p:sp>
             <p:nvSpPr>
               <p:cNvPr id="7" name="TextBox 6">
@@ -7141,7 +7147,7 @@
             </p:txBody>
           </p:sp>
         </mc:Choice>
-        <mc:Fallback>
+        <mc:Fallback xmlns="">
           <p:sp>
             <p:nvSpPr>
               <p:cNvPr id="7" name="TextBox 6">
@@ -7186,8 +7192,8 @@
           </p:sp>
         </mc:Fallback>
       </mc:AlternateContent>
-      <mc:AlternateContent xmlns:mc="http://schemas.openxmlformats.org/markup-compatibility/2006">
-        <mc:Choice xmlns:a14="http://schemas.microsoft.com/office/drawing/2010/main" Requires="a14">
+      <mc:AlternateContent xmlns:mc="http://schemas.openxmlformats.org/markup-compatibility/2006" xmlns:a14="http://schemas.microsoft.com/office/drawing/2010/main">
+        <mc:Choice Requires="a14">
           <p:sp>
             <p:nvSpPr>
               <p:cNvPr id="8" name="TextBox 7">
@@ -7620,7 +7626,7 @@
             </p:txBody>
           </p:sp>
         </mc:Choice>
-        <mc:Fallback>
+        <mc:Fallback xmlns="">
           <p:sp>
             <p:nvSpPr>
               <p:cNvPr id="8" name="TextBox 7">
@@ -7665,8 +7671,8 @@
           </p:sp>
         </mc:Fallback>
       </mc:AlternateContent>
-      <mc:AlternateContent xmlns:mc="http://schemas.openxmlformats.org/markup-compatibility/2006">
-        <mc:Choice xmlns:a14="http://schemas.microsoft.com/office/drawing/2010/main" Requires="a14">
+      <mc:AlternateContent xmlns:mc="http://schemas.openxmlformats.org/markup-compatibility/2006" xmlns:a14="http://schemas.microsoft.com/office/drawing/2010/main">
+        <mc:Choice Requires="a14">
           <p:sp>
             <p:nvSpPr>
               <p:cNvPr id="9" name="TextBox 8">
@@ -7758,7 +7764,7 @@
             </p:txBody>
           </p:sp>
         </mc:Choice>
-        <mc:Fallback>
+        <mc:Fallback xmlns="">
           <p:sp>
             <p:nvSpPr>
               <p:cNvPr id="9" name="TextBox 8">
@@ -7803,8 +7809,8 @@
           </p:sp>
         </mc:Fallback>
       </mc:AlternateContent>
-      <mc:AlternateContent xmlns:mc="http://schemas.openxmlformats.org/markup-compatibility/2006">
-        <mc:Choice xmlns:a14="http://schemas.microsoft.com/office/drawing/2010/main" Requires="a14">
+      <mc:AlternateContent xmlns:mc="http://schemas.openxmlformats.org/markup-compatibility/2006" xmlns:a14="http://schemas.microsoft.com/office/drawing/2010/main">
+        <mc:Choice Requires="a14">
           <p:sp>
             <p:nvSpPr>
               <p:cNvPr id="10" name="TextBox 9">
@@ -8020,7 +8026,7 @@
             </p:txBody>
           </p:sp>
         </mc:Choice>
-        <mc:Fallback>
+        <mc:Fallback xmlns="">
           <p:sp>
             <p:nvSpPr>
               <p:cNvPr id="10" name="TextBox 9">
@@ -8065,8 +8071,8 @@
           </p:sp>
         </mc:Fallback>
       </mc:AlternateContent>
-      <mc:AlternateContent xmlns:mc="http://schemas.openxmlformats.org/markup-compatibility/2006">
-        <mc:Choice xmlns:a14="http://schemas.microsoft.com/office/drawing/2010/main" Requires="a14">
+      <mc:AlternateContent xmlns:mc="http://schemas.openxmlformats.org/markup-compatibility/2006" xmlns:a14="http://schemas.microsoft.com/office/drawing/2010/main">
+        <mc:Choice Requires="a14">
           <p:sp>
             <p:nvSpPr>
               <p:cNvPr id="11" name="TextBox 10">
@@ -8419,7 +8425,7 @@
             </p:txBody>
           </p:sp>
         </mc:Choice>
-        <mc:Fallback>
+        <mc:Fallback xmlns="">
           <p:sp>
             <p:nvSpPr>
               <p:cNvPr id="11" name="TextBox 10">
@@ -8484,8 +8490,8 @@
             <a:chExt cx="6056853" cy="798104"/>
           </a:xfrm>
         </p:grpSpPr>
-        <mc:AlternateContent xmlns:mc="http://schemas.openxmlformats.org/markup-compatibility/2006">
-          <mc:Choice xmlns:a14="http://schemas.microsoft.com/office/drawing/2010/main" Requires="a14">
+        <mc:AlternateContent xmlns:mc="http://schemas.openxmlformats.org/markup-compatibility/2006" xmlns:a14="http://schemas.microsoft.com/office/drawing/2010/main">
+          <mc:Choice Requires="a14">
             <p:sp>
               <p:nvSpPr>
                 <p:cNvPr id="12" name="TextBox 11">
@@ -8514,6 +8520,7 @@
                 </a:bodyPr>
                 <a:lstStyle/>
                 <a:p>
+                  <a:pPr/>
                   <a14:m>
                     <m:oMathPara xmlns:m="http://schemas.openxmlformats.org/officeDocument/2006/math">
                       <m:oMathParaPr>
@@ -8798,7 +8805,7 @@
               </p:txBody>
             </p:sp>
           </mc:Choice>
-          <mc:Fallback>
+          <mc:Fallback xmlns="">
             <p:sp>
               <p:nvSpPr>
                 <p:cNvPr id="12" name="TextBox 11">
@@ -8843,8 +8850,8 @@
             </p:sp>
           </mc:Fallback>
         </mc:AlternateContent>
-        <mc:AlternateContent xmlns:mc="http://schemas.openxmlformats.org/markup-compatibility/2006">
-          <mc:Choice xmlns:a14="http://schemas.microsoft.com/office/drawing/2010/main" Requires="a14">
+        <mc:AlternateContent xmlns:mc="http://schemas.openxmlformats.org/markup-compatibility/2006" xmlns:a14="http://schemas.microsoft.com/office/drawing/2010/main">
+          <mc:Choice Requires="a14">
             <p:sp>
               <p:nvSpPr>
                 <p:cNvPr id="13" name="TextBox 12">
@@ -8931,7 +8938,7 @@
               </p:txBody>
             </p:sp>
           </mc:Choice>
-          <mc:Fallback>
+          <mc:Fallback xmlns="">
             <p:sp>
               <p:nvSpPr>
                 <p:cNvPr id="13" name="TextBox 12">
@@ -9078,8 +9085,8 @@
           </a:p>
         </p:txBody>
       </p:sp>
-      <mc:AlternateContent xmlns:mc="http://schemas.openxmlformats.org/markup-compatibility/2006">
-        <mc:Choice xmlns:a14="http://schemas.microsoft.com/office/drawing/2010/main" Requires="a14">
+      <mc:AlternateContent xmlns:mc="http://schemas.openxmlformats.org/markup-compatibility/2006" xmlns:a14="http://schemas.microsoft.com/office/drawing/2010/main">
+        <mc:Choice Requires="a14">
           <p:sp>
             <p:nvSpPr>
               <p:cNvPr id="3" name="TextBox 2">
@@ -9180,7 +9187,7 @@
             </p:txBody>
           </p:sp>
         </mc:Choice>
-        <mc:Fallback>
+        <mc:Fallback xmlns="">
           <p:sp>
             <p:nvSpPr>
               <p:cNvPr id="3" name="TextBox 2">
@@ -9225,8 +9232,8 @@
           </p:sp>
         </mc:Fallback>
       </mc:AlternateContent>
-      <mc:AlternateContent xmlns:mc="http://schemas.openxmlformats.org/markup-compatibility/2006">
-        <mc:Choice xmlns:a14="http://schemas.microsoft.com/office/drawing/2010/main" Requires="a14">
+      <mc:AlternateContent xmlns:mc="http://schemas.openxmlformats.org/markup-compatibility/2006" xmlns:a14="http://schemas.microsoft.com/office/drawing/2010/main">
+        <mc:Choice Requires="a14">
           <p:sp>
             <p:nvSpPr>
               <p:cNvPr id="4" name="TextBox 3">
@@ -9468,7 +9475,7 @@
             </p:txBody>
           </p:sp>
         </mc:Choice>
-        <mc:Fallback>
+        <mc:Fallback xmlns="">
           <p:sp>
             <p:nvSpPr>
               <p:cNvPr id="4" name="TextBox 3">
@@ -9513,8 +9520,8 @@
           </p:sp>
         </mc:Fallback>
       </mc:AlternateContent>
-      <mc:AlternateContent xmlns:mc="http://schemas.openxmlformats.org/markup-compatibility/2006">
-        <mc:Choice xmlns:a14="http://schemas.microsoft.com/office/drawing/2010/main" Requires="a14">
+      <mc:AlternateContent xmlns:mc="http://schemas.openxmlformats.org/markup-compatibility/2006" xmlns:a14="http://schemas.microsoft.com/office/drawing/2010/main">
+        <mc:Choice Requires="a14">
           <p:sp>
             <p:nvSpPr>
               <p:cNvPr id="5" name="TextBox 4">
@@ -9894,7 +9901,7 @@
             </p:txBody>
           </p:sp>
         </mc:Choice>
-        <mc:Fallback>
+        <mc:Fallback xmlns="">
           <p:sp>
             <p:nvSpPr>
               <p:cNvPr id="5" name="TextBox 4">
@@ -9939,8 +9946,8 @@
           </p:sp>
         </mc:Fallback>
       </mc:AlternateContent>
-      <mc:AlternateContent xmlns:mc="http://schemas.openxmlformats.org/markup-compatibility/2006">
-        <mc:Choice xmlns:a14="http://schemas.microsoft.com/office/drawing/2010/main" Requires="a14">
+      <mc:AlternateContent xmlns:mc="http://schemas.openxmlformats.org/markup-compatibility/2006" xmlns:a14="http://schemas.microsoft.com/office/drawing/2010/main">
+        <mc:Choice Requires="a14">
           <p:sp>
             <p:nvSpPr>
               <p:cNvPr id="6" name="TextBox 5">
@@ -10059,7 +10066,7 @@
             </p:txBody>
           </p:sp>
         </mc:Choice>
-        <mc:Fallback>
+        <mc:Fallback xmlns="">
           <p:sp>
             <p:nvSpPr>
               <p:cNvPr id="6" name="TextBox 5">
@@ -10265,8 +10272,8 @@
           </a:p>
         </p:txBody>
       </p:sp>
-      <mc:AlternateContent xmlns:mc="http://schemas.openxmlformats.org/markup-compatibility/2006">
-        <mc:Choice xmlns:a14="http://schemas.microsoft.com/office/drawing/2010/main" Requires="a14">
+      <mc:AlternateContent xmlns:mc="http://schemas.openxmlformats.org/markup-compatibility/2006" xmlns:a14="http://schemas.microsoft.com/office/drawing/2010/main">
+        <mc:Choice Requires="a14">
           <p:sp>
             <p:nvSpPr>
               <p:cNvPr id="3" name="TextBox 2">
@@ -10367,7 +10374,7 @@
             </p:txBody>
           </p:sp>
         </mc:Choice>
-        <mc:Fallback>
+        <mc:Fallback xmlns="">
           <p:sp>
             <p:nvSpPr>
               <p:cNvPr id="3" name="TextBox 2">
@@ -10451,8 +10458,8 @@
           </a:p>
         </p:txBody>
       </p:sp>
-      <mc:AlternateContent xmlns:mc="http://schemas.openxmlformats.org/markup-compatibility/2006">
-        <mc:Choice xmlns:a14="http://schemas.microsoft.com/office/drawing/2010/main" Requires="a14">
+      <mc:AlternateContent xmlns:mc="http://schemas.openxmlformats.org/markup-compatibility/2006" xmlns:a14="http://schemas.microsoft.com/office/drawing/2010/main">
+        <mc:Choice Requires="a14">
           <p:sp>
             <p:nvSpPr>
               <p:cNvPr id="5" name="TextBox 4">
@@ -10770,7 +10777,7 @@
             </p:txBody>
           </p:sp>
         </mc:Choice>
-        <mc:Fallback>
+        <mc:Fallback xmlns="">
           <p:sp>
             <p:nvSpPr>
               <p:cNvPr id="5" name="TextBox 4">
@@ -10861,8 +10868,8 @@
           </a:p>
         </p:txBody>
       </p:sp>
-      <mc:AlternateContent xmlns:mc="http://schemas.openxmlformats.org/markup-compatibility/2006">
-        <mc:Choice xmlns:a14="http://schemas.microsoft.com/office/drawing/2010/main" Requires="a14">
+      <mc:AlternateContent xmlns:mc="http://schemas.openxmlformats.org/markup-compatibility/2006" xmlns:a14="http://schemas.microsoft.com/office/drawing/2010/main">
+        <mc:Choice Requires="a14">
           <p:sp>
             <p:nvSpPr>
               <p:cNvPr id="7" name="TextBox 6">
@@ -10963,7 +10970,7 @@
             </p:txBody>
           </p:sp>
         </mc:Choice>
-        <mc:Fallback>
+        <mc:Fallback xmlns="">
           <p:sp>
             <p:nvSpPr>
               <p:cNvPr id="7" name="TextBox 6">
@@ -11008,8 +11015,8 @@
           </p:sp>
         </mc:Fallback>
       </mc:AlternateContent>
-      <mc:AlternateContent xmlns:mc="http://schemas.openxmlformats.org/markup-compatibility/2006">
-        <mc:Choice xmlns:a14="http://schemas.microsoft.com/office/drawing/2010/main" Requires="a14">
+      <mc:AlternateContent xmlns:mc="http://schemas.openxmlformats.org/markup-compatibility/2006" xmlns:a14="http://schemas.microsoft.com/office/drawing/2010/main">
+        <mc:Choice Requires="a14">
           <p:sp>
             <p:nvSpPr>
               <p:cNvPr id="8" name="TextBox 7">
@@ -11173,7 +11180,7 @@
             </p:txBody>
           </p:sp>
         </mc:Choice>
-        <mc:Fallback>
+        <mc:Fallback xmlns="">
           <p:sp>
             <p:nvSpPr>
               <p:cNvPr id="8" name="TextBox 7">
@@ -11218,8 +11225,8 @@
           </p:sp>
         </mc:Fallback>
       </mc:AlternateContent>
-      <mc:AlternateContent xmlns:mc="http://schemas.openxmlformats.org/markup-compatibility/2006">
-        <mc:Choice xmlns:a14="http://schemas.microsoft.com/office/drawing/2010/main" Requires="a14">
+      <mc:AlternateContent xmlns:mc="http://schemas.openxmlformats.org/markup-compatibility/2006" xmlns:a14="http://schemas.microsoft.com/office/drawing/2010/main">
+        <mc:Choice Requires="a14">
           <p:sp>
             <p:nvSpPr>
               <p:cNvPr id="10" name="TextBox 9">
@@ -11511,7 +11518,7 @@
             </p:txBody>
           </p:sp>
         </mc:Choice>
-        <mc:Fallback>
+        <mc:Fallback xmlns="">
           <p:sp>
             <p:nvSpPr>
               <p:cNvPr id="10" name="TextBox 9">
@@ -11556,8 +11563,8 @@
           </p:sp>
         </mc:Fallback>
       </mc:AlternateContent>
-      <mc:AlternateContent xmlns:mc="http://schemas.openxmlformats.org/markup-compatibility/2006">
-        <mc:Choice xmlns:a14="http://schemas.microsoft.com/office/drawing/2010/main" Requires="a14">
+      <mc:AlternateContent xmlns:mc="http://schemas.openxmlformats.org/markup-compatibility/2006" xmlns:a14="http://schemas.microsoft.com/office/drawing/2010/main">
+        <mc:Choice Requires="a14">
           <p:sp>
             <p:nvSpPr>
               <p:cNvPr id="11" name="TextBox 10">
@@ -11716,7 +11723,7 @@
             </p:txBody>
           </p:sp>
         </mc:Choice>
-        <mc:Fallback>
+        <mc:Fallback xmlns="">
           <p:sp>
             <p:nvSpPr>
               <p:cNvPr id="11" name="TextBox 10">
@@ -11820,8 +11827,8 @@
           <a:chExt cx="0" cy="0"/>
         </a:xfrm>
       </p:grpSpPr>
-      <mc:AlternateContent xmlns:mc="http://schemas.openxmlformats.org/markup-compatibility/2006">
-        <mc:Choice xmlns:a14="http://schemas.microsoft.com/office/drawing/2010/main" Requires="a14">
+      <mc:AlternateContent xmlns:mc="http://schemas.openxmlformats.org/markup-compatibility/2006" xmlns:a14="http://schemas.microsoft.com/office/drawing/2010/main">
+        <mc:Choice Requires="a14">
           <p:sp>
             <p:nvSpPr>
               <p:cNvPr id="2" name="TextBox 1">
@@ -11956,7 +11963,7 @@
             </p:txBody>
           </p:sp>
         </mc:Choice>
-        <mc:Fallback>
+        <mc:Fallback xmlns="">
           <p:sp>
             <p:nvSpPr>
               <p:cNvPr id="2" name="TextBox 1">
@@ -12031,8 +12038,8 @@
           </a:prstGeom>
         </p:spPr>
       </p:pic>
-      <mc:AlternateContent xmlns:mc="http://schemas.openxmlformats.org/markup-compatibility/2006">
-        <mc:Choice xmlns:a14="http://schemas.microsoft.com/office/drawing/2010/main" Requires="a14">
+      <mc:AlternateContent xmlns:mc="http://schemas.openxmlformats.org/markup-compatibility/2006" xmlns:a14="http://schemas.microsoft.com/office/drawing/2010/main">
+        <mc:Choice Requires="a14">
           <p:sp>
             <p:nvSpPr>
               <p:cNvPr id="4" name="TextBox 3">
@@ -12248,7 +12255,7 @@
             </p:txBody>
           </p:sp>
         </mc:Choice>
-        <mc:Fallback>
+        <mc:Fallback xmlns="">
           <p:sp>
             <p:nvSpPr>
               <p:cNvPr id="4" name="TextBox 3">
@@ -12377,8 +12384,8 @@
           </a:p>
         </p:txBody>
       </p:sp>
-      <mc:AlternateContent xmlns:mc="http://schemas.openxmlformats.org/markup-compatibility/2006">
-        <mc:Choice xmlns:a14="http://schemas.microsoft.com/office/drawing/2010/main" Requires="a14">
+      <mc:AlternateContent xmlns:mc="http://schemas.openxmlformats.org/markup-compatibility/2006" xmlns:a14="http://schemas.microsoft.com/office/drawing/2010/main">
+        <mc:Choice Requires="a14">
           <p:sp>
             <p:nvSpPr>
               <p:cNvPr id="7" name="TextBox 6">
@@ -12543,7 +12550,7 @@
             </p:txBody>
           </p:sp>
         </mc:Choice>
-        <mc:Fallback>
+        <mc:Fallback xmlns="">
           <p:sp>
             <p:nvSpPr>
               <p:cNvPr id="7" name="TextBox 6">
@@ -12588,8 +12595,8 @@
           </p:sp>
         </mc:Fallback>
       </mc:AlternateContent>
-      <mc:AlternateContent xmlns:mc="http://schemas.openxmlformats.org/markup-compatibility/2006">
-        <mc:Choice xmlns:a14="http://schemas.microsoft.com/office/drawing/2010/main" Requires="a14">
+      <mc:AlternateContent xmlns:mc="http://schemas.openxmlformats.org/markup-compatibility/2006" xmlns:a14="http://schemas.microsoft.com/office/drawing/2010/main">
+        <mc:Choice Requires="a14">
           <p:sp>
             <p:nvSpPr>
               <p:cNvPr id="8" name="TextBox 7">
@@ -12886,7 +12893,7 @@
             </p:txBody>
           </p:sp>
         </mc:Choice>
-        <mc:Fallback>
+        <mc:Fallback xmlns="">
           <p:sp>
             <p:nvSpPr>
               <p:cNvPr id="8" name="TextBox 7">
@@ -12931,8 +12938,8 @@
           </p:sp>
         </mc:Fallback>
       </mc:AlternateContent>
-      <mc:AlternateContent xmlns:mc="http://schemas.openxmlformats.org/markup-compatibility/2006">
-        <mc:Choice xmlns:a14="http://schemas.microsoft.com/office/drawing/2010/main" Requires="a14">
+      <mc:AlternateContent xmlns:mc="http://schemas.openxmlformats.org/markup-compatibility/2006" xmlns:a14="http://schemas.microsoft.com/office/drawing/2010/main">
+        <mc:Choice Requires="a14">
           <p:sp>
             <p:nvSpPr>
               <p:cNvPr id="9" name="TextBox 8">
@@ -13060,14 +13067,7 @@
                         <a:latin typeface="Cambria Math" panose="02040503050406030204" pitchFamily="18" charset="0"/>
                         <a:cs typeface="Helvetica" panose="020B0604020202020204" pitchFamily="34" charset="0"/>
                       </a:rPr>
-                      <m:t>=</m:t>
-                    </m:r>
-                    <m:r>
-                      <a:rPr lang="en-US" altLang="ko-KR" sz="2000" b="0" i="1" smtClean="0">
-                        <a:latin typeface="Cambria Math" panose="02040503050406030204" pitchFamily="18" charset="0"/>
-                        <a:cs typeface="Helvetica" panose="020B0604020202020204" pitchFamily="34" charset="0"/>
-                      </a:rPr>
-                      <m:t>1</m:t>
+                      <m:t>=1</m:t>
                     </m:r>
                   </m:oMath>
                 </a14:m>
@@ -13086,7 +13086,7 @@
             </p:txBody>
           </p:sp>
         </mc:Choice>
-        <mc:Fallback>
+        <mc:Fallback xmlns="">
           <p:sp>
             <p:nvSpPr>
               <p:cNvPr id="9" name="TextBox 8">
@@ -13131,8 +13131,8 @@
           </p:sp>
         </mc:Fallback>
       </mc:AlternateContent>
-      <mc:AlternateContent xmlns:mc="http://schemas.openxmlformats.org/markup-compatibility/2006">
-        <mc:Choice xmlns:a14="http://schemas.microsoft.com/office/drawing/2010/main" Requires="a14">
+      <mc:AlternateContent xmlns:mc="http://schemas.openxmlformats.org/markup-compatibility/2006" xmlns:a14="http://schemas.microsoft.com/office/drawing/2010/main">
+        <mc:Choice Requires="a14">
           <p:sp>
             <p:nvSpPr>
               <p:cNvPr id="10" name="TextBox 9">
@@ -13531,7 +13531,7 @@
             </p:txBody>
           </p:sp>
         </mc:Choice>
-        <mc:Fallback>
+        <mc:Fallback xmlns="">
           <p:sp>
             <p:nvSpPr>
               <p:cNvPr id="10" name="TextBox 9">
@@ -13576,8 +13576,8 @@
           </p:sp>
         </mc:Fallback>
       </mc:AlternateContent>
-      <mc:AlternateContent xmlns:mc="http://schemas.openxmlformats.org/markup-compatibility/2006">
-        <mc:Choice xmlns:a14="http://schemas.microsoft.com/office/drawing/2010/main" Requires="a14">
+      <mc:AlternateContent xmlns:mc="http://schemas.openxmlformats.org/markup-compatibility/2006" xmlns:a14="http://schemas.microsoft.com/office/drawing/2010/main">
+        <mc:Choice Requires="a14">
           <p:sp>
             <p:nvSpPr>
               <p:cNvPr id="11" name="TextBox 10">
@@ -13606,6 +13606,7 @@
               </a:bodyPr>
               <a:lstStyle/>
               <a:p>
+                <a:pPr/>
                 <a14:m>
                   <m:oMathPara xmlns:m="http://schemas.openxmlformats.org/officeDocument/2006/math">
                     <m:oMathParaPr>
@@ -13946,7 +13947,7 @@
             </p:txBody>
           </p:sp>
         </mc:Choice>
-        <mc:Fallback>
+        <mc:Fallback xmlns="">
           <p:sp>
             <p:nvSpPr>
               <p:cNvPr id="11" name="TextBox 10">
@@ -14021,6 +14022,7 @@
               </a:bodyPr>
               <a:lstStyle/>
               <a:p>
+                <a:pPr/>
                 <a14:m>
                   <m:oMathPara xmlns:m="http://schemas.openxmlformats.org/officeDocument/2006/math">
                     <m:oMathParaPr>
@@ -14093,6 +14095,13 @@
                               </m:ctrlPr>
                             </m:dPr>
                             <m:e>
+                              <m:r>
+                                <a:rPr lang="en-US" altLang="ko-KR" sz="2000" b="0" i="1" smtClean="0">
+                                  <a:latin typeface="Cambria Math" panose="02040503050406030204" pitchFamily="18" charset="0"/>
+                                  <a:cs typeface="Helvetica" panose="020B0604020202020204" pitchFamily="34" charset="0"/>
+                                </a:rPr>
+                                <m:t>−</m:t>
+                              </m:r>
                               <m:f>
                                 <m:fPr>
                                   <m:ctrlPr>
@@ -14365,8 +14374,8 @@
           <a:chExt cx="0" cy="0"/>
         </a:xfrm>
       </p:grpSpPr>
-      <mc:AlternateContent xmlns:mc="http://schemas.openxmlformats.org/markup-compatibility/2006">
-        <mc:Choice xmlns:a14="http://schemas.microsoft.com/office/drawing/2010/main" Requires="a14">
+      <mc:AlternateContent xmlns:mc="http://schemas.openxmlformats.org/markup-compatibility/2006" xmlns:a14="http://schemas.microsoft.com/office/drawing/2010/main">
+        <mc:Choice Requires="a14">
           <p:sp>
             <p:nvSpPr>
               <p:cNvPr id="2" name="TextBox 1">
@@ -14501,7 +14510,7 @@
             </p:txBody>
           </p:sp>
         </mc:Choice>
-        <mc:Fallback>
+        <mc:Fallback xmlns="">
           <p:sp>
             <p:nvSpPr>
               <p:cNvPr id="2" name="TextBox 1">
@@ -14576,8 +14585,8 @@
           </a:prstGeom>
         </p:spPr>
       </p:pic>
-      <mc:AlternateContent xmlns:mc="http://schemas.openxmlformats.org/markup-compatibility/2006">
-        <mc:Choice xmlns:a14="http://schemas.microsoft.com/office/drawing/2010/main" Requires="a14">
+      <mc:AlternateContent xmlns:mc="http://schemas.openxmlformats.org/markup-compatibility/2006" xmlns:a14="http://schemas.microsoft.com/office/drawing/2010/main">
+        <mc:Choice Requires="a14">
           <p:sp>
             <p:nvSpPr>
               <p:cNvPr id="4" name="TextBox 3">
@@ -14606,6 +14615,7 @@
               </a:bodyPr>
               <a:lstStyle/>
               <a:p>
+                <a:pPr/>
                 <a14:m>
                   <m:oMathPara xmlns:m="http://schemas.openxmlformats.org/officeDocument/2006/math">
                     <m:oMathParaPr>
@@ -14982,7 +14992,7 @@
             </p:txBody>
           </p:sp>
         </mc:Choice>
-        <mc:Fallback>
+        <mc:Fallback xmlns="">
           <p:sp>
             <p:nvSpPr>
               <p:cNvPr id="4" name="TextBox 3">
@@ -15027,8 +15037,8 @@
           </p:sp>
         </mc:Fallback>
       </mc:AlternateContent>
-      <mc:AlternateContent xmlns:mc="http://schemas.openxmlformats.org/markup-compatibility/2006">
-        <mc:Choice xmlns:a14="http://schemas.microsoft.com/office/drawing/2010/main" Requires="a14">
+      <mc:AlternateContent xmlns:mc="http://schemas.openxmlformats.org/markup-compatibility/2006" xmlns:a14="http://schemas.microsoft.com/office/drawing/2010/main">
+        <mc:Choice Requires="a14">
           <p:sp>
             <p:nvSpPr>
               <p:cNvPr id="5" name="TextBox 4">
@@ -15057,6 +15067,7 @@
               </a:bodyPr>
               <a:lstStyle/>
               <a:p>
+                <a:pPr/>
                 <a14:m>
                   <m:oMathPara xmlns:m="http://schemas.openxmlformats.org/officeDocument/2006/math">
                     <m:oMathParaPr>
@@ -15629,7 +15640,7 @@
             </p:txBody>
           </p:sp>
         </mc:Choice>
-        <mc:Fallback>
+        <mc:Fallback xmlns="">
           <p:sp>
             <p:nvSpPr>
               <p:cNvPr id="5" name="TextBox 4">
@@ -15733,8 +15744,8 @@
           <a:chExt cx="0" cy="0"/>
         </a:xfrm>
       </p:grpSpPr>
-      <mc:AlternateContent xmlns:mc="http://schemas.openxmlformats.org/markup-compatibility/2006">
-        <mc:Choice xmlns:a14="http://schemas.microsoft.com/office/drawing/2010/main" Requires="a14">
+      <mc:AlternateContent xmlns:mc="http://schemas.openxmlformats.org/markup-compatibility/2006" xmlns:a14="http://schemas.microsoft.com/office/drawing/2010/main">
+        <mc:Choice Requires="a14">
           <p:sp>
             <p:nvSpPr>
               <p:cNvPr id="2" name="TextBox 1">
@@ -15829,7 +15840,7 @@
             </p:txBody>
           </p:sp>
         </mc:Choice>
-        <mc:Fallback>
+        <mc:Fallback xmlns="">
           <p:sp>
             <p:nvSpPr>
               <p:cNvPr id="2" name="TextBox 1">
@@ -16306,8 +16317,8 @@
           <a:chExt cx="0" cy="0"/>
         </a:xfrm>
       </p:grpSpPr>
-      <mc:AlternateContent xmlns:mc="http://schemas.openxmlformats.org/markup-compatibility/2006">
-        <mc:Choice xmlns:a14="http://schemas.microsoft.com/office/drawing/2010/main" Requires="a14">
+      <mc:AlternateContent xmlns:mc="http://schemas.openxmlformats.org/markup-compatibility/2006" xmlns:a14="http://schemas.microsoft.com/office/drawing/2010/main">
+        <mc:Choice Requires="a14">
           <p:sp>
             <p:nvSpPr>
               <p:cNvPr id="2" name="TextBox 1">
@@ -16402,7 +16413,7 @@
             </p:txBody>
           </p:sp>
         </mc:Choice>
-        <mc:Fallback>
+        <mc:Fallback xmlns="">
           <p:sp>
             <p:nvSpPr>
               <p:cNvPr id="2" name="TextBox 1">
@@ -16578,8 +16589,8 @@
           </a:p>
         </p:txBody>
       </p:sp>
-      <mc:AlternateContent xmlns:mc="http://schemas.openxmlformats.org/markup-compatibility/2006">
-        <mc:Choice xmlns:a14="http://schemas.microsoft.com/office/drawing/2010/main" Requires="a14">
+      <mc:AlternateContent xmlns:mc="http://schemas.openxmlformats.org/markup-compatibility/2006" xmlns:a14="http://schemas.microsoft.com/office/drawing/2010/main">
+        <mc:Choice Requires="a14">
           <p:sp>
             <p:nvSpPr>
               <p:cNvPr id="4" name="TextBox 3">
@@ -17490,7 +17501,7 @@
             </p:txBody>
           </p:sp>
         </mc:Choice>
-        <mc:Fallback>
+        <mc:Fallback xmlns="">
           <p:sp>
             <p:nvSpPr>
               <p:cNvPr id="4" name="TextBox 3">
@@ -17535,8 +17546,8 @@
           </p:sp>
         </mc:Fallback>
       </mc:AlternateContent>
-      <mc:AlternateContent xmlns:mc="http://schemas.openxmlformats.org/markup-compatibility/2006">
-        <mc:Choice xmlns:a14="http://schemas.microsoft.com/office/drawing/2010/main" Requires="a14">
+      <mc:AlternateContent xmlns:mc="http://schemas.openxmlformats.org/markup-compatibility/2006" xmlns:a14="http://schemas.microsoft.com/office/drawing/2010/main">
+        <mc:Choice Requires="a14">
           <p:sp>
             <p:nvSpPr>
               <p:cNvPr id="5" name="TextBox 4">
@@ -17935,7 +17946,7 @@
             </p:txBody>
           </p:sp>
         </mc:Choice>
-        <mc:Fallback>
+        <mc:Fallback xmlns="">
           <p:sp>
             <p:nvSpPr>
               <p:cNvPr id="5" name="TextBox 4">
@@ -17980,8 +17991,8 @@
           </p:sp>
         </mc:Fallback>
       </mc:AlternateContent>
-      <mc:AlternateContent xmlns:mc="http://schemas.openxmlformats.org/markup-compatibility/2006">
-        <mc:Choice xmlns:a14="http://schemas.microsoft.com/office/drawing/2010/main" Requires="a14">
+      <mc:AlternateContent xmlns:mc="http://schemas.openxmlformats.org/markup-compatibility/2006" xmlns:a14="http://schemas.microsoft.com/office/drawing/2010/main">
+        <mc:Choice Requires="a14">
           <p:sp>
             <p:nvSpPr>
               <p:cNvPr id="6" name="TextBox 5">
@@ -18187,14 +18198,7 @@
                         <a:latin typeface="Cambria Math" panose="02040503050406030204" pitchFamily="18" charset="0"/>
                         <a:cs typeface="Helvetica" panose="020B0604020202020204" pitchFamily="34" charset="0"/>
                       </a:rPr>
-                      <m:t>&lt;</m:t>
-                    </m:r>
-                    <m:r>
-                      <a:rPr lang="en-US" altLang="ko-KR" sz="2000" b="0" i="1" smtClean="0">
-                        <a:latin typeface="Cambria Math" panose="02040503050406030204" pitchFamily="18" charset="0"/>
-                        <a:cs typeface="Helvetica" panose="020B0604020202020204" pitchFamily="34" charset="0"/>
-                      </a:rPr>
-                      <m:t>1</m:t>
+                      <m:t>&lt;1</m:t>
                     </m:r>
                   </m:oMath>
                 </a14:m>
@@ -18206,7 +18210,7 @@
             </p:txBody>
           </p:sp>
         </mc:Choice>
-        <mc:Fallback>
+        <mc:Fallback xmlns="">
           <p:sp>
             <p:nvSpPr>
               <p:cNvPr id="6" name="TextBox 5">
